--- a/Sơn Nguyễn Hoàng - CS2205.SEP2025.DeCuong.FinalReport.Template.Slide.pptx
+++ b/Sơn Nguyễn Hoàng - CS2205.SEP2025.DeCuong.FinalReport.Template.Slide.pptx
@@ -1293,7 +1293,7 @@
   <p:cSld>
     <p:spTree>
       <p:nvGrpSpPr>
-        <p:cNvPr id="98" name="Shape 98"/>
+        <p:cNvPr id="99" name="Shape 99"/>
         <p:cNvGrpSpPr/>
         <p:nvPr/>
       </p:nvGrpSpPr>
@@ -1307,7 +1307,7 @@
       </p:grpSpPr>
       <p:sp>
         <p:nvSpPr>
-          <p:cNvPr id="99" name="Google Shape;99;g10d8a3913ea_0_139:notes"/>
+          <p:cNvPr id="100" name="Google Shape;100;g10d8a3913ea_0_139:notes"/>
           <p:cNvSpPr/>
           <p:nvPr>
             <p:ph idx="2" type="sldImg"/>
@@ -1342,7 +1342,7 @@
       </p:sp>
       <p:sp>
         <p:nvSpPr>
-          <p:cNvPr id="100" name="Google Shape;100;g10d8a3913ea_0_139:notes"/>
+          <p:cNvPr id="101" name="Google Shape;101;g10d8a3913ea_0_139:notes"/>
           <p:cNvSpPr txBox="1"/>
           <p:nvPr>
             <p:ph idx="1" type="body"/>
@@ -1392,7 +1392,7 @@
   <p:cSld>
     <p:spTree>
       <p:nvGrpSpPr>
-        <p:cNvPr id="104" name="Shape 104"/>
+        <p:cNvPr id="106" name="Shape 106"/>
         <p:cNvGrpSpPr/>
         <p:nvPr/>
       </p:nvGrpSpPr>
@@ -1406,7 +1406,7 @@
       </p:grpSpPr>
       <p:sp>
         <p:nvSpPr>
-          <p:cNvPr id="105" name="Google Shape;105;g3b252f9dc87_0_21:notes"/>
+          <p:cNvPr id="107" name="Google Shape;107;g3b252f9dc87_0_21:notes"/>
           <p:cNvSpPr/>
           <p:nvPr>
             <p:ph idx="2" type="sldImg"/>
@@ -1441,7 +1441,7 @@
       </p:sp>
       <p:sp>
         <p:nvSpPr>
-          <p:cNvPr id="106" name="Google Shape;106;g3b252f9dc87_0_21:notes"/>
+          <p:cNvPr id="108" name="Google Shape;108;g3b252f9dc87_0_21:notes"/>
           <p:cNvSpPr txBox="1"/>
           <p:nvPr>
             <p:ph idx="1" type="body"/>
@@ -1491,7 +1491,7 @@
   <p:cSld>
     <p:spTree>
       <p:nvGrpSpPr>
-        <p:cNvPr id="110" name="Shape 110"/>
+        <p:cNvPr id="112" name="Shape 112"/>
         <p:cNvGrpSpPr/>
         <p:nvPr/>
       </p:nvGrpSpPr>
@@ -1505,7 +1505,7 @@
       </p:grpSpPr>
       <p:sp>
         <p:nvSpPr>
-          <p:cNvPr id="111" name="Google Shape;111;g3b252f9dc87_0_28:notes"/>
+          <p:cNvPr id="113" name="Google Shape;113;g3b252f9dc87_0_28:notes"/>
           <p:cNvSpPr/>
           <p:nvPr>
             <p:ph idx="2" type="sldImg"/>
@@ -1540,7 +1540,7 @@
       </p:sp>
       <p:sp>
         <p:nvSpPr>
-          <p:cNvPr id="112" name="Google Shape;112;g3b252f9dc87_0_28:notes"/>
+          <p:cNvPr id="114" name="Google Shape;114;g3b252f9dc87_0_28:notes"/>
           <p:cNvSpPr txBox="1"/>
           <p:nvPr>
             <p:ph idx="1" type="body"/>
@@ -7464,7 +7464,7 @@
               <a:buNone/>
             </a:pPr>
             <a:r>
-              <a:rPr b="1" lang="en" sz="3000">
+              <a:rPr b="1" lang="en" sz="2500">
                 <a:solidFill>
                   <a:srgbClr val="FFFFFF"/>
                 </a:solidFill>
@@ -7472,9 +7472,9 @@
                   <a:srgbClr val="448AFF"/>
                 </a:highlight>
               </a:rPr>
-              <a:t>NGHIÊN CỨU VÀ ĐỀ XUẤT GIẢI PHÁP THÍCH NGHI MÔ HÌNH DCDM</a:t>
+              <a:t>NGHIÊN CỨU VÀ ĐỀ XUẤT GIẢI PHÁP THÍCH NGHI </a:t>
             </a:r>
-            <a:endParaRPr b="1" sz="3000">
+            <a:endParaRPr b="1" sz="2500">
               <a:solidFill>
                 <a:srgbClr val="FFFFFF"/>
               </a:solidFill>
@@ -7497,7 +7497,40 @@
               <a:buNone/>
             </a:pPr>
             <a:r>
-              <a:rPr b="1" lang="en" sz="3000">
+              <a:rPr b="1" lang="en" sz="2500">
+                <a:solidFill>
+                  <a:srgbClr val="FFFFFF"/>
+                </a:solidFill>
+                <a:highlight>
+                  <a:srgbClr val="448AFF"/>
+                </a:highlight>
+              </a:rPr>
+              <a:t>MÔ HÌNH DCDM</a:t>
+            </a:r>
+            <a:endParaRPr b="1" sz="2500">
+              <a:solidFill>
+                <a:srgbClr val="FFFFFF"/>
+              </a:solidFill>
+              <a:highlight>
+                <a:srgbClr val="448AFF"/>
+              </a:highlight>
+            </a:endParaRPr>
+          </a:p>
+          <a:p>
+            <a:pPr indent="0" lvl="0" marL="0" rtl="0" algn="ctr">
+              <a:lnSpc>
+                <a:spcPct val="130000"/>
+              </a:lnSpc>
+              <a:spcBef>
+                <a:spcPts val="0"/>
+              </a:spcBef>
+              <a:spcAft>
+                <a:spcPts val="0"/>
+              </a:spcAft>
+              <a:buNone/>
+            </a:pPr>
+            <a:r>
+              <a:rPr b="1" lang="en" sz="2500">
                 <a:solidFill>
                   <a:srgbClr val="FFFFFF"/>
                 </a:solidFill>
@@ -7507,7 +7540,7 @@
               </a:rPr>
               <a:t>CHO BÀI TOÁN SIÊU PHÂN GIẢI VĂN BẢN TIẾNG VIỆT</a:t>
             </a:r>
-            <a:endParaRPr b="1" sz="3000">
+            <a:endParaRPr b="1" sz="2500">
               <a:solidFill>
                 <a:srgbClr val="FFFFFF"/>
               </a:solidFill>
@@ -7543,7 +7576,7 @@
         </p:nvSpPr>
         <p:spPr>
           <a:xfrm>
-            <a:off x="2055600" y="3231000"/>
+            <a:off x="2055600" y="2890371"/>
             <a:ext cx="5032800" cy="1012800"/>
           </a:xfrm>
           <a:prstGeom prst="rect">
@@ -7675,61 +7708,80 @@
           </a:bodyPr>
           <a:lstStyle/>
           <a:p>
-            <a:pPr indent="-368300" lvl="0" marL="457200" rtl="0" algn="l">
-              <a:spcBef>
-                <a:spcPts val="0"/>
-              </a:spcBef>
-              <a:spcAft>
-                <a:spcPts val="0"/>
-              </a:spcAft>
-              <a:buSzPts val="2200"/>
+            <a:pPr indent="-342900" lvl="0" marL="457200" rtl="0" algn="l">
+              <a:spcBef>
+                <a:spcPts val="0"/>
+              </a:spcBef>
+              <a:spcAft>
+                <a:spcPts val="0"/>
+              </a:spcAft>
+              <a:buSzPts val="1800"/>
               <a:buFont typeface="Arial"/>
               <a:buChar char="●"/>
             </a:pPr>
             <a:r>
-              <a:rPr lang="en"/>
+              <a:rPr lang="en" sz="1800"/>
               <a:t>Lớp: </a:t>
             </a:r>
             <a:r>
-              <a:rPr lang="en"/>
+              <a:rPr lang="en" sz="1800"/>
               <a:t>CS2205.CH201</a:t>
             </a:r>
-            <a:endParaRPr/>
+            <a:endParaRPr sz="1800"/>
           </a:p>
           <a:p>
-            <a:pPr indent="-368300" lvl="0" marL="457200" rtl="0" algn="l">
-              <a:spcBef>
-                <a:spcPts val="0"/>
-              </a:spcBef>
-              <a:spcAft>
-                <a:spcPts val="0"/>
-              </a:spcAft>
-              <a:buSzPts val="2200"/>
+            <a:pPr indent="-342900" lvl="0" marL="457200" rtl="0" algn="l">
+              <a:spcBef>
+                <a:spcPts val="0"/>
+              </a:spcBef>
+              <a:spcAft>
+                <a:spcPts val="0"/>
+              </a:spcAft>
+              <a:buSzPts val="1800"/>
               <a:buFont typeface="Arial"/>
               <a:buChar char="●"/>
             </a:pPr>
             <a:r>
-              <a:rPr lang="en"/>
+              <a:rPr lang="en" sz="1800"/>
               <a:t>Link Github của nhóm: </a:t>
             </a:r>
-            <a:endParaRPr/>
+            <a:r>
+              <a:rPr lang="en" sz="1800" u="sng">
+                <a:solidFill>
+                  <a:schemeClr val="hlink"/>
+                </a:solidFill>
+                <a:hlinkClick r:id="rId3"/>
+              </a:rPr>
+              <a:t>https://github.com/HoangSonDeveloper/CS2205</a:t>
+            </a:r>
+            <a:endParaRPr sz="1800"/>
           </a:p>
           <a:p>
-            <a:pPr indent="-368300" lvl="0" marL="457200" rtl="0" algn="l">
-              <a:spcBef>
-                <a:spcPts val="0"/>
-              </a:spcBef>
-              <a:spcAft>
-                <a:spcPts val="0"/>
-              </a:spcAft>
-              <a:buSzPts val="2200"/>
+            <a:pPr indent="-342900" lvl="0" marL="457200" rtl="0" algn="l">
+              <a:spcBef>
+                <a:spcPts val="0"/>
+              </a:spcBef>
+              <a:spcAft>
+                <a:spcPts val="0"/>
+              </a:spcAft>
+              <a:buSzPts val="1800"/>
+              <a:buFont typeface="Arial"/>
               <a:buChar char="●"/>
             </a:pPr>
             <a:r>
-              <a:rPr lang="en"/>
+              <a:rPr lang="en" sz="1800"/>
               <a:t>Link YouTube video: </a:t>
             </a:r>
-            <a:endParaRPr/>
+            <a:r>
+              <a:rPr lang="en" sz="1800" u="sng">
+                <a:solidFill>
+                  <a:schemeClr val="hlink"/>
+                </a:solidFill>
+                <a:hlinkClick r:id="rId4"/>
+              </a:rPr>
+              <a:t>https://youtu.be/49S6kkh_D4A</a:t>
+            </a:r>
+            <a:endParaRPr sz="1800"/>
           </a:p>
           <a:p>
             <a:pPr indent="0" lvl="0" marL="457200" rtl="0" algn="l">
@@ -7744,7 +7796,7 @@
             <a:r>
               <a:t/>
             </a:r>
-            <a:endParaRPr/>
+            <a:endParaRPr sz="1800"/>
           </a:p>
           <a:p>
             <a:pPr indent="0" lvl="0" marL="457200" rtl="0" algn="l">
@@ -7759,7 +7811,7 @@
             <a:r>
               <a:t/>
             </a:r>
-            <a:endParaRPr/>
+            <a:endParaRPr sz="1800"/>
           </a:p>
           <a:p>
             <a:pPr indent="0" lvl="0" marL="457200" rtl="0" algn="l">
@@ -7774,7 +7826,7 @@
             <a:r>
               <a:t/>
             </a:r>
-            <a:endParaRPr/>
+            <a:endParaRPr sz="1800"/>
           </a:p>
           <a:p>
             <a:pPr indent="0" lvl="0" marL="457200" rtl="0" algn="l">
@@ -7789,7 +7841,7 @@
             <a:r>
               <a:t/>
             </a:r>
-            <a:endParaRPr/>
+            <a:endParaRPr sz="1800"/>
           </a:p>
           <a:p>
             <a:pPr indent="0" lvl="0" marL="914400" rtl="0" algn="l">
@@ -8085,7 +8137,7 @@
         <p:spPr>
           <a:xfrm>
             <a:off x="503850" y="1038925"/>
-            <a:ext cx="8158200" cy="2188800"/>
+            <a:ext cx="8158200" cy="1542300"/>
           </a:xfrm>
           <a:prstGeom prst="rect">
             <a:avLst/>
@@ -8101,7 +8153,7 @@
           </a:bodyPr>
           <a:lstStyle/>
           <a:p>
-            <a:pPr indent="-361950" lvl="0" marL="457200" rtl="0" algn="l">
+            <a:pPr indent="-342900" lvl="0" marL="457200" rtl="0" algn="l">
               <a:lnSpc>
                 <a:spcPct val="130000"/>
               </a:lnSpc>
@@ -8111,25 +8163,25 @@
               <a:spcAft>
                 <a:spcPts val="0"/>
               </a:spcAft>
-              <a:buSzPts val="2100"/>
+              <a:buSzPts val="1800"/>
               <a:buChar char="●"/>
             </a:pPr>
             <a:r>
-              <a:rPr lang="en" sz="2100">
+              <a:rPr lang="en" sz="1800">
                 <a:highlight>
                   <a:srgbClr val="F9F9F9"/>
                 </a:highlight>
               </a:rPr>
               <a:t>DCDM (ECCV 2024) là mô hình SR văn bản dựa trên Diffusion</a:t>
             </a:r>
-            <a:endParaRPr sz="2100">
+            <a:endParaRPr sz="1800">
               <a:highlight>
                 <a:srgbClr val="F9F9F9"/>
               </a:highlight>
             </a:endParaRPr>
           </a:p>
           <a:p>
-            <a:pPr indent="-361950" lvl="0" marL="457200" rtl="0" algn="l">
+            <a:pPr indent="-342900" lvl="0" marL="457200" rtl="0" algn="l">
               <a:lnSpc>
                 <a:spcPct val="130000"/>
               </a:lnSpc>
@@ -8139,25 +8191,25 @@
               <a:spcAft>
                 <a:spcPts val="0"/>
               </a:spcAft>
-              <a:buSzPts val="2100"/>
+              <a:buSzPts val="1800"/>
               <a:buChar char="●"/>
             </a:pPr>
             <a:r>
-              <a:rPr lang="en" sz="2100">
+              <a:rPr lang="en" sz="1800">
                 <a:highlight>
                   <a:srgbClr val="F9F9F9"/>
                 </a:highlight>
               </a:rPr>
               <a:t>Khai thác thông tin ngữ nghĩa ở mức ký tự</a:t>
             </a:r>
-            <a:endParaRPr sz="2100">
+            <a:endParaRPr sz="1800">
               <a:highlight>
                 <a:srgbClr val="F9F9F9"/>
               </a:highlight>
             </a:endParaRPr>
           </a:p>
           <a:p>
-            <a:pPr indent="-361950" lvl="0" marL="457200" rtl="0" algn="l">
+            <a:pPr indent="-342900" lvl="0" marL="457200" rtl="0" algn="l">
               <a:lnSpc>
                 <a:spcPct val="130000"/>
               </a:lnSpc>
@@ -8167,25 +8219,25 @@
               <a:spcAft>
                 <a:spcPts val="0"/>
               </a:spcAft>
-              <a:buSzPts val="2100"/>
+              <a:buSzPts val="1800"/>
               <a:buChar char="●"/>
             </a:pPr>
             <a:r>
-              <a:rPr lang="en" sz="2100">
+              <a:rPr lang="en" sz="1800">
                 <a:highlight>
                   <a:srgbClr val="F9F9F9"/>
                 </a:highlight>
               </a:rPr>
               <a:t>Mô hình được tối ưu chủ yếu cho tiếng Anh</a:t>
             </a:r>
-            <a:endParaRPr sz="2100">
+            <a:endParaRPr sz="1800">
               <a:highlight>
                 <a:srgbClr val="F9F9F9"/>
               </a:highlight>
             </a:endParaRPr>
           </a:p>
           <a:p>
-            <a:pPr indent="-361950" lvl="0" marL="457200" rtl="0" algn="l">
+            <a:pPr indent="-342900" lvl="0" marL="457200" rtl="0" algn="l">
               <a:lnSpc>
                 <a:spcPct val="130000"/>
               </a:lnSpc>
@@ -8195,18 +8247,18 @@
               <a:spcAft>
                 <a:spcPts val="0"/>
               </a:spcAft>
-              <a:buSzPts val="2100"/>
+              <a:buSzPts val="1800"/>
               <a:buChar char="●"/>
             </a:pPr>
             <a:r>
-              <a:rPr lang="en" sz="2100">
+              <a:rPr lang="en" sz="1800">
                 <a:highlight>
                   <a:srgbClr val="F9F9F9"/>
                 </a:highlight>
               </a:rPr>
               <a:t>Chưa phù hợp với tiếng Việt có dấu thanh và nguyên âm biến thể</a:t>
             </a:r>
-            <a:endParaRPr sz="2100">
+            <a:endParaRPr sz="1800">
               <a:highlight>
                 <a:srgbClr val="F9F9F9"/>
               </a:highlight>
@@ -8290,7 +8342,7 @@
         <p:spPr>
           <a:xfrm>
             <a:off x="471900" y="820500"/>
-            <a:ext cx="8222100" cy="3908400"/>
+            <a:ext cx="8222100" cy="1291500"/>
           </a:xfrm>
           <a:prstGeom prst="rect">
             <a:avLst/>
@@ -8302,55 +8354,55 @@
           </a:bodyPr>
           <a:lstStyle/>
           <a:p>
-            <a:pPr indent="-368300" lvl="0" marL="457200" rtl="0" algn="l">
-              <a:spcBef>
-                <a:spcPts val="0"/>
-              </a:spcBef>
-              <a:spcAft>
-                <a:spcPts val="0"/>
-              </a:spcAft>
-              <a:buSzPts val="2200"/>
+            <a:pPr indent="-342900" lvl="0" marL="457200" rtl="0" algn="l">
+              <a:spcBef>
+                <a:spcPts val="0"/>
+              </a:spcBef>
+              <a:spcAft>
+                <a:spcPts val="0"/>
+              </a:spcAft>
+              <a:buSzPts val="1800"/>
               <a:buChar char="●"/>
             </a:pPr>
             <a:r>
-              <a:rPr lang="en"/>
+              <a:rPr lang="en" sz="1800"/>
               <a:t>Phân tích hạn chế của mô hình DCDM khi áp dụng cho tiếng Việt</a:t>
             </a:r>
-            <a:endParaRPr/>
+            <a:endParaRPr sz="1800"/>
           </a:p>
           <a:p>
-            <a:pPr indent="-368300" lvl="0" marL="457200" rtl="0" algn="l">
-              <a:spcBef>
-                <a:spcPts val="0"/>
-              </a:spcBef>
-              <a:spcAft>
-                <a:spcPts val="0"/>
-              </a:spcAft>
-              <a:buSzPts val="2200"/>
+            <a:pPr indent="-342900" lvl="0" marL="457200" rtl="0" algn="l">
+              <a:spcBef>
+                <a:spcPts val="0"/>
+              </a:spcBef>
+              <a:spcAft>
+                <a:spcPts val="0"/>
+              </a:spcAft>
+              <a:buSzPts val="1800"/>
               <a:buChar char="●"/>
             </a:pPr>
             <a:r>
-              <a:rPr lang="en"/>
+              <a:rPr lang="en" sz="1800"/>
               <a:t>Xây dựng dữ liệu phục vụ bài toán siêu phân giải văn bản tiếng Việt</a:t>
             </a:r>
-            <a:endParaRPr/>
+            <a:endParaRPr sz="1800"/>
           </a:p>
           <a:p>
-            <a:pPr indent="-368300" lvl="0" marL="457200" rtl="0" algn="l">
-              <a:spcBef>
-                <a:spcPts val="0"/>
-              </a:spcBef>
-              <a:spcAft>
-                <a:spcPts val="0"/>
-              </a:spcAft>
-              <a:buSzPts val="2200"/>
+            <a:pPr indent="-342900" lvl="0" marL="457200" rtl="0" algn="l">
+              <a:spcBef>
+                <a:spcPts val="0"/>
+              </a:spcBef>
+              <a:spcAft>
+                <a:spcPts val="0"/>
+              </a:spcAft>
+              <a:buSzPts val="1800"/>
               <a:buChar char="●"/>
             </a:pPr>
             <a:r>
-              <a:rPr lang="en"/>
+              <a:rPr lang="en" sz="1800"/>
               <a:t>Đề xuất giải pháp thích nghi mô hình DCDM cho văn bản có dấu</a:t>
             </a:r>
-            <a:endParaRPr/>
+            <a:endParaRPr sz="1800"/>
           </a:p>
         </p:txBody>
       </p:sp>
@@ -8429,8 +8481,8 @@
         </p:nvSpPr>
         <p:spPr>
           <a:xfrm>
-            <a:off x="471900" y="820500"/>
-            <a:ext cx="8222100" cy="3908400"/>
+            <a:off x="352675" y="1368300"/>
+            <a:ext cx="4194600" cy="2406900"/>
           </a:xfrm>
           <a:prstGeom prst="rect">
             <a:avLst/>
@@ -8442,106 +8494,70 @@
           </a:bodyPr>
           <a:lstStyle/>
           <a:p>
-            <a:pPr indent="0" lvl="0" marL="0" rtl="0" algn="l">
-              <a:spcBef>
-                <a:spcPts val="0"/>
-              </a:spcBef>
-              <a:spcAft>
-                <a:spcPts val="0"/>
-              </a:spcAft>
-              <a:buNone/>
+            <a:pPr indent="-330200" lvl="0" marL="457200" rtl="0" algn="l">
+              <a:lnSpc>
+                <a:spcPct val="150000"/>
+              </a:lnSpc>
+              <a:spcBef>
+                <a:spcPts val="0"/>
+              </a:spcBef>
+              <a:spcAft>
+                <a:spcPts val="0"/>
+              </a:spcAft>
+              <a:buSzPts val="1600"/>
+              <a:buChar char="●"/>
             </a:pPr>
-            <a:br>
-              <a:rPr lang="en" sz="1400"/>
-            </a:br>
             <a:r>
-              <a:rPr lang="en" sz="1400"/>
+              <a:rPr lang="en" sz="1600"/>
               <a:t>Xây dựng bộ dữ liệu văn bản tiếng Việt giả lập (đa dạng phông chữ, nền ảnh, mức nhiễu)</a:t>
             </a:r>
-            <a:endParaRPr sz="1400"/>
+            <a:endParaRPr sz="1600"/>
+          </a:p>
+          <a:p>
+            <a:pPr indent="-330200" lvl="0" marL="457200" rtl="0" algn="l">
+              <a:lnSpc>
+                <a:spcPct val="150000"/>
+              </a:lnSpc>
+              <a:spcBef>
+                <a:spcPts val="0"/>
+              </a:spcBef>
+              <a:spcAft>
+                <a:spcPts val="0"/>
+              </a:spcAft>
+              <a:buSzPts val="1600"/>
+              <a:buChar char="●"/>
+            </a:pPr>
+            <a:r>
+              <a:rPr lang="en" sz="1600"/>
+              <a:t>Mở rộng không gian biểu diễn ký tự trong mô hình để hỗ trợ dấu tiếng Việt</a:t>
+            </a:r>
+            <a:endParaRPr sz="1600"/>
+          </a:p>
+          <a:p>
+            <a:pPr indent="-330200" lvl="0" marL="457200" rtl="0" algn="l">
+              <a:lnSpc>
+                <a:spcPct val="150000"/>
+              </a:lnSpc>
+              <a:spcBef>
+                <a:spcPts val="0"/>
+              </a:spcBef>
+              <a:spcAft>
+                <a:spcPts val="0"/>
+              </a:spcAft>
+              <a:buSzPts val="1600"/>
+              <a:buChar char="●"/>
+            </a:pPr>
+            <a:r>
+              <a:rPr lang="en" sz="1600"/>
+              <a:t>Fine-tune mô hình DCDM trên tập dữ liệu tiếng Việt đã chuẩn bị</a:t>
+            </a:r>
+            <a:endParaRPr sz="1600"/>
           </a:p>
           <a:p>
             <a:pPr indent="0" lvl="0" marL="0" rtl="0" algn="l">
-              <a:spcBef>
-                <a:spcPts val="1600"/>
-              </a:spcBef>
-              <a:spcAft>
-                <a:spcPts val="0"/>
-              </a:spcAft>
-              <a:buNone/>
-            </a:pPr>
-            <a:r>
-              <a:rPr lang="en" sz="1400"/>
-              <a:t>Mở rộng không gian biểu diễn ký tự trong mô hình để hỗ trợ dấu tiếng Việt</a:t>
-            </a:r>
-            <a:endParaRPr sz="1400"/>
-          </a:p>
-          <a:p>
-            <a:pPr indent="0" lvl="0" marL="0" rtl="0" algn="l">
-              <a:spcBef>
-                <a:spcPts val="1600"/>
-              </a:spcBef>
-              <a:spcAft>
-                <a:spcPts val="0"/>
-              </a:spcAft>
-              <a:buNone/>
-            </a:pPr>
-            <a:r>
-              <a:rPr lang="en" sz="1400"/>
-              <a:t>Fine-tune mô hình DCDM trên tập dữ liệu tiếng Việt đã chuẩn bị</a:t>
-            </a:r>
-            <a:endParaRPr sz="1400"/>
-          </a:p>
-          <a:p>
-            <a:pPr indent="0" lvl="0" marL="0" rtl="0" algn="l">
-              <a:spcBef>
-                <a:spcPts val="1600"/>
-              </a:spcBef>
-              <a:spcAft>
-                <a:spcPts val="0"/>
-              </a:spcAft>
-              <a:buNone/>
-            </a:pPr>
-            <a:r>
-              <a:rPr lang="en" sz="1400"/>
-              <a:t>Dữ liệu giả lập (Synthetic Data)</a:t>
-            </a:r>
-            <a:endParaRPr sz="1400"/>
-          </a:p>
-          <a:p>
-            <a:pPr indent="0" lvl="0" marL="0" rtl="0" algn="l">
-              <a:spcBef>
-                <a:spcPts val="1600"/>
-              </a:spcBef>
-              <a:spcAft>
-                <a:spcPts val="0"/>
-              </a:spcAft>
-              <a:buNone/>
-            </a:pPr>
-            <a:r>
-              <a:rPr lang="en" sz="1400"/>
-              <a:t>DCDM Adaptation Layer</a:t>
-            </a:r>
-            <a:endParaRPr sz="1400"/>
-          </a:p>
-          <a:p>
-            <a:pPr indent="0" lvl="0" marL="0" rtl="0" algn="l">
-              <a:spcBef>
-                <a:spcPts val="1600"/>
-              </a:spcBef>
-              <a:spcAft>
-                <a:spcPts val="0"/>
-              </a:spcAft>
-              <a:buNone/>
-            </a:pPr>
-            <a:r>
-              <a:rPr lang="en" sz="1400"/>
-              <a:t>Fine-tuned Vietnamese Model</a:t>
-            </a:r>
-            <a:endParaRPr sz="1400"/>
-          </a:p>
-          <a:p>
-            <a:pPr indent="0" lvl="0" marL="0" rtl="0" algn="l">
+              <a:lnSpc>
+                <a:spcPct val="150000"/>
+              </a:lnSpc>
               <a:spcBef>
                 <a:spcPts val="1600"/>
               </a:spcBef>
@@ -8553,10 +8569,13 @@
             <a:r>
               <a:t/>
             </a:r>
-            <a:endParaRPr sz="1400"/>
+            <a:endParaRPr sz="1600"/>
           </a:p>
           <a:p>
             <a:pPr indent="0" lvl="0" marL="0" rtl="0" algn="l">
+              <a:lnSpc>
+                <a:spcPct val="150000"/>
+              </a:lnSpc>
               <a:spcBef>
                 <a:spcPts val="1600"/>
               </a:spcBef>
@@ -8568,10 +8587,13 @@
             <a:r>
               <a:t/>
             </a:r>
-            <a:endParaRPr sz="1400"/>
+            <a:endParaRPr sz="1600"/>
           </a:p>
           <a:p>
             <a:pPr indent="0" lvl="0" marL="0" rtl="0" algn="l">
+              <a:lnSpc>
+                <a:spcPct val="150000"/>
+              </a:lnSpc>
               <a:spcBef>
                 <a:spcPts val="1600"/>
               </a:spcBef>
@@ -8583,25 +8605,74 @@
             <a:r>
               <a:t/>
             </a:r>
-            <a:endParaRPr sz="1400"/>
+            <a:endParaRPr sz="1600"/>
           </a:p>
           <a:p>
             <a:pPr indent="0" lvl="0" marL="0" rtl="0" algn="l">
+              <a:lnSpc>
+                <a:spcPct val="150000"/>
+              </a:lnSpc>
               <a:spcBef>
                 <a:spcPts val="1600"/>
               </a:spcBef>
               <a:spcAft>
-                <a:spcPts val="1600"/>
+                <a:spcPts val="0"/>
               </a:spcAft>
               <a:buNone/>
             </a:pPr>
             <a:r>
               <a:t/>
             </a:r>
-            <a:endParaRPr sz="1400"/>
+            <a:endParaRPr sz="1600"/>
+          </a:p>
+          <a:p>
+            <a:pPr indent="0" lvl="0" marL="0" rtl="0" algn="l">
+              <a:lnSpc>
+                <a:spcPct val="150000"/>
+              </a:lnSpc>
+              <a:spcBef>
+                <a:spcPts val="1600"/>
+              </a:spcBef>
+              <a:spcAft>
+                <a:spcPts val="1600"/>
+              </a:spcAft>
+              <a:buNone/>
+            </a:pPr>
+            <a:r>
+              <a:t/>
+            </a:r>
+            <a:endParaRPr sz="1600"/>
           </a:p>
         </p:txBody>
       </p:sp>
+      <p:pic>
+        <p:nvPicPr>
+          <p:cNvPr id="98" name="Google Shape;98;p18" title="Screenshot 2026-01-02 at 13.46.47.png"/>
+          <p:cNvPicPr preferRelativeResize="0"/>
+          <p:nvPr/>
+        </p:nvPicPr>
+        <p:blipFill>
+          <a:blip r:embed="rId3">
+            <a:alphaModFix/>
+          </a:blip>
+          <a:stretch>
+            <a:fillRect/>
+          </a:stretch>
+        </p:blipFill>
+        <p:spPr>
+          <a:xfrm>
+            <a:off x="4724950" y="820500"/>
+            <a:ext cx="4272375" cy="3845149"/>
+          </a:xfrm>
+          <a:prstGeom prst="rect">
+            <a:avLst/>
+          </a:prstGeom>
+          <a:noFill/>
+          <a:ln>
+            <a:noFill/>
+          </a:ln>
+        </p:spPr>
+      </p:pic>
     </p:spTree>
   </p:cSld>
   <p:clrMapOvr>
@@ -8615,7 +8686,7 @@
   <p:cSld>
     <p:spTree>
       <p:nvGrpSpPr>
-        <p:cNvPr id="101" name="Shape 101"/>
+        <p:cNvPr id="102" name="Shape 102"/>
         <p:cNvGrpSpPr/>
         <p:nvPr/>
       </p:nvGrpSpPr>
@@ -8629,7 +8700,7 @@
       </p:grpSpPr>
       <p:sp>
         <p:nvSpPr>
-          <p:cNvPr id="102" name="Google Shape;102;p19"/>
+          <p:cNvPr id="103" name="Google Shape;103;p19"/>
           <p:cNvSpPr txBox="1"/>
           <p:nvPr>
             <p:ph type="title"/>
@@ -8669,7 +8740,7 @@
       </p:sp>
       <p:sp>
         <p:nvSpPr>
-          <p:cNvPr id="103" name="Google Shape;103;p19"/>
+          <p:cNvPr id="104" name="Google Shape;104;p19"/>
           <p:cNvSpPr txBox="1"/>
           <p:nvPr>
             <p:ph idx="1" type="body"/>
@@ -8677,8 +8748,8 @@
         </p:nvSpPr>
         <p:spPr>
           <a:xfrm>
-            <a:off x="471900" y="820500"/>
-            <a:ext cx="8222100" cy="3908400"/>
+            <a:off x="471900" y="948250"/>
+            <a:ext cx="8222100" cy="2015100"/>
           </a:xfrm>
           <a:prstGeom prst="rect">
             <a:avLst/>
@@ -8690,116 +8761,106 @@
           </a:bodyPr>
           <a:lstStyle/>
           <a:p>
-            <a:pPr indent="0" lvl="0" marL="0" rtl="0" algn="l">
-              <a:spcBef>
-                <a:spcPts val="0"/>
-              </a:spcBef>
-              <a:spcAft>
-                <a:spcPts val="0"/>
-              </a:spcAft>
-              <a:buNone/>
+            <a:pPr indent="-336550" lvl="0" marL="457200" rtl="0" algn="l">
+              <a:spcBef>
+                <a:spcPts val="0"/>
+              </a:spcBef>
+              <a:spcAft>
+                <a:spcPts val="0"/>
+              </a:spcAft>
+              <a:buSzPts val="1700"/>
+              <a:buChar char="●"/>
             </a:pPr>
             <a:r>
-              <a:rPr lang="en" sz="2000"/>
+              <a:rPr lang="en" sz="1700"/>
               <a:t>Đánh giá chất lượng ảnh (Image Quality):</a:t>
             </a:r>
-            <a:endParaRPr sz="2000"/>
+            <a:endParaRPr sz="1700"/>
           </a:p>
           <a:p>
-            <a:pPr indent="0" lvl="0" marL="0" rtl="0" algn="l">
-              <a:spcBef>
-                <a:spcPts val="1600"/>
-              </a:spcBef>
-              <a:spcAft>
-                <a:spcPts val="0"/>
-              </a:spcAft>
-              <a:buNone/>
+            <a:pPr indent="-336550" lvl="1" marL="914400" rtl="0" algn="l">
+              <a:spcBef>
+                <a:spcPts val="0"/>
+              </a:spcBef>
+              <a:spcAft>
+                <a:spcPts val="0"/>
+              </a:spcAft>
+              <a:buSzPts val="1700"/>
+              <a:buChar char="○"/>
             </a:pPr>
             <a:r>
-              <a:rPr lang="en" sz="2000"/>
+              <a:rPr lang="en" sz="1700"/>
               <a:t>PSNR (Peak Signal-to-Noise Ratio)</a:t>
             </a:r>
-            <a:endParaRPr sz="2000"/>
+            <a:endParaRPr sz="1700"/>
           </a:p>
           <a:p>
-            <a:pPr indent="0" lvl="0" marL="0" rtl="0" algn="l">
-              <a:spcBef>
-                <a:spcPts val="1600"/>
-              </a:spcBef>
-              <a:spcAft>
-                <a:spcPts val="0"/>
-              </a:spcAft>
-              <a:buNone/>
+            <a:pPr indent="-336550" lvl="1" marL="914400" rtl="0" algn="l">
+              <a:spcBef>
+                <a:spcPts val="0"/>
+              </a:spcBef>
+              <a:spcAft>
+                <a:spcPts val="0"/>
+              </a:spcAft>
+              <a:buSzPts val="1700"/>
+              <a:buChar char="○"/>
             </a:pPr>
             <a:r>
-              <a:rPr lang="en" sz="2000"/>
+              <a:rPr lang="en" sz="1700"/>
               <a:t>SSIM (Structural Similarity Index)</a:t>
             </a:r>
-            <a:endParaRPr sz="2000"/>
+            <a:endParaRPr sz="1700"/>
           </a:p>
           <a:p>
-            <a:pPr indent="0" lvl="0" marL="0" rtl="0" algn="l">
-              <a:spcBef>
-                <a:spcPts val="1600"/>
-              </a:spcBef>
-              <a:spcAft>
-                <a:spcPts val="0"/>
-              </a:spcAft>
-              <a:buNone/>
+            <a:pPr indent="-336550" lvl="0" marL="457200" rtl="0" algn="l">
+              <a:spcBef>
+                <a:spcPts val="0"/>
+              </a:spcBef>
+              <a:spcAft>
+                <a:spcPts val="0"/>
+              </a:spcAft>
+              <a:buSzPts val="1700"/>
+              <a:buChar char="●"/>
             </a:pPr>
             <a:r>
-              <a:rPr lang="en" sz="2000"/>
+              <a:rPr lang="en" sz="1700"/>
               <a:t>Đánh giá hiệu dụng (Usability):</a:t>
             </a:r>
-            <a:endParaRPr sz="2000"/>
+            <a:endParaRPr sz="1700"/>
           </a:p>
           <a:p>
-            <a:pPr indent="0" lvl="0" marL="0" rtl="0" algn="l">
-              <a:spcBef>
-                <a:spcPts val="1600"/>
-              </a:spcBef>
-              <a:spcAft>
-                <a:spcPts val="0"/>
-              </a:spcAft>
-              <a:buNone/>
+            <a:pPr indent="-336550" lvl="1" marL="914400" rtl="0" algn="l">
+              <a:spcBef>
+                <a:spcPts val="0"/>
+              </a:spcBef>
+              <a:spcAft>
+                <a:spcPts val="0"/>
+              </a:spcAft>
+              <a:buSzPts val="1700"/>
+              <a:buChar char="○"/>
             </a:pPr>
             <a:r>
-              <a:rPr lang="en" sz="2000"/>
+              <a:rPr lang="en" sz="1700"/>
               <a:t>Đo lường độ chính xác nhận dạng của OCR tiếng Việt trên ảnh phục hồi</a:t>
             </a:r>
-            <a:endParaRPr sz="2000"/>
+            <a:endParaRPr sz="1700"/>
           </a:p>
           <a:p>
-            <a:pPr indent="0" lvl="0" marL="0" rtl="0" algn="l">
-              <a:spcBef>
-                <a:spcPts val="1600"/>
-              </a:spcBef>
-              <a:spcAft>
-                <a:spcPts val="0"/>
-              </a:spcAft>
-              <a:buNone/>
+            <a:pPr indent="-336550" lvl="0" marL="457200" rtl="0" algn="l">
+              <a:spcBef>
+                <a:spcPts val="0"/>
+              </a:spcBef>
+              <a:spcAft>
+                <a:spcPts val="0"/>
+              </a:spcAft>
+              <a:buSzPts val="1700"/>
+              <a:buChar char="●"/>
             </a:pPr>
             <a:r>
-              <a:rPr lang="en" sz="2000"/>
+              <a:rPr lang="en" sz="1700"/>
               <a:t>Kịch bản so sánh (Comparison):</a:t>
             </a:r>
-            <a:endParaRPr sz="2000"/>
-          </a:p>
-          <a:p>
-            <a:pPr indent="0" lvl="0" marL="0" rtl="0" algn="l">
-              <a:spcBef>
-                <a:spcPts val="1600"/>
-              </a:spcBef>
-              <a:spcAft>
-                <a:spcPts val="0"/>
-              </a:spcAft>
-              <a:buNone/>
-            </a:pPr>
-            <a:r>
-              <a:rPr lang="en" sz="2000"/>
-              <a:t>Ảnh gốc (LR)vs.DCDM gốcvs.DCDM thích nghi</a:t>
-            </a:r>
-            <a:endParaRPr sz="2000"/>
+            <a:endParaRPr sz="1700"/>
           </a:p>
           <a:p>
             <a:pPr indent="0" lvl="0" marL="0" rtl="0" algn="l">
@@ -8814,7 +8875,7 @@
             <a:r>
               <a:t/>
             </a:r>
-            <a:endParaRPr sz="2000"/>
+            <a:endParaRPr sz="1700"/>
           </a:p>
           <a:p>
             <a:pPr indent="0" lvl="0" marL="0" rtl="0" algn="l">
@@ -8829,7 +8890,7 @@
             <a:r>
               <a:t/>
             </a:r>
-            <a:endParaRPr sz="2000"/>
+            <a:endParaRPr sz="1700"/>
           </a:p>
           <a:p>
             <a:pPr indent="0" lvl="0" marL="0" rtl="0" algn="l">
@@ -8844,7 +8905,7 @@
             <a:r>
               <a:t/>
             </a:r>
-            <a:endParaRPr sz="2000"/>
+            <a:endParaRPr sz="1700"/>
           </a:p>
           <a:p>
             <a:pPr indent="0" lvl="0" marL="0" rtl="0" algn="l">
@@ -8859,10 +8920,38 @@
             <a:r>
               <a:t/>
             </a:r>
-            <a:endParaRPr sz="2000"/>
+            <a:endParaRPr sz="1700"/>
           </a:p>
         </p:txBody>
       </p:sp>
+      <p:pic>
+        <p:nvPicPr>
+          <p:cNvPr id="105" name="Google Shape;105;p19" title="Screenshot 2026-01-02 at 13.48.49.png"/>
+          <p:cNvPicPr preferRelativeResize="0"/>
+          <p:nvPr/>
+        </p:nvPicPr>
+        <p:blipFill>
+          <a:blip r:embed="rId3">
+            <a:alphaModFix/>
+          </a:blip>
+          <a:stretch>
+            <a:fillRect/>
+          </a:stretch>
+        </p:blipFill>
+        <p:spPr>
+          <a:xfrm>
+            <a:off x="928174" y="2862703"/>
+            <a:ext cx="5628924" cy="500350"/>
+          </a:xfrm>
+          <a:prstGeom prst="rect">
+            <a:avLst/>
+          </a:prstGeom>
+          <a:noFill/>
+          <a:ln>
+            <a:noFill/>
+          </a:ln>
+        </p:spPr>
+      </p:pic>
     </p:spTree>
   </p:cSld>
   <p:clrMapOvr>
@@ -8876,7 +8965,7 @@
   <p:cSld>
     <p:spTree>
       <p:nvGrpSpPr>
-        <p:cNvPr id="107" name="Shape 107"/>
+        <p:cNvPr id="109" name="Shape 109"/>
         <p:cNvGrpSpPr/>
         <p:nvPr/>
       </p:nvGrpSpPr>
@@ -8890,7 +8979,7 @@
       </p:grpSpPr>
       <p:sp>
         <p:nvSpPr>
-          <p:cNvPr id="108" name="Google Shape;108;p20"/>
+          <p:cNvPr id="110" name="Google Shape;110;p20"/>
           <p:cNvSpPr txBox="1"/>
           <p:nvPr>
             <p:ph type="title"/>
@@ -8930,7 +9019,7 @@
       </p:sp>
       <p:sp>
         <p:nvSpPr>
-          <p:cNvPr id="109" name="Google Shape;109;p20"/>
+          <p:cNvPr id="111" name="Google Shape;111;p20"/>
           <p:cNvSpPr txBox="1"/>
           <p:nvPr>
             <p:ph idx="1" type="body"/>
@@ -8939,7 +9028,7 @@
         <p:spPr>
           <a:xfrm>
             <a:off x="471900" y="820500"/>
-            <a:ext cx="8222100" cy="3908400"/>
+            <a:ext cx="8222100" cy="2151600"/>
           </a:xfrm>
           <a:prstGeom prst="rect">
             <a:avLst/>
@@ -8951,50 +9040,117 @@
           </a:bodyPr>
           <a:lstStyle/>
           <a:p>
-            <a:pPr indent="-228600" lvl="0" marL="457200" rtl="0" algn="l">
-              <a:spcBef>
-                <a:spcPts val="0"/>
-              </a:spcBef>
-              <a:spcAft>
-                <a:spcPts val="0"/>
-              </a:spcAft>
-              <a:buSzPts val="2400"/>
+            <a:pPr indent="-342900" lvl="0" marL="457200" rtl="0" algn="l">
+              <a:spcBef>
+                <a:spcPts val="0"/>
+              </a:spcBef>
+              <a:spcAft>
+                <a:spcPts val="0"/>
+              </a:spcAft>
+              <a:buSzPts val="1800"/>
               <a:buFont typeface="Arial"/>
-              <a:buNone/>
+              <a:buChar char="●"/>
             </a:pPr>
             <a:r>
-              <a:rPr lang="en" sz="2400">
-                <a:solidFill>
-                  <a:srgbClr val="448AFF"/>
-                </a:solidFill>
+              <a:rPr lang="en" sz="1800">
                 <a:latin typeface="Arial"/>
                 <a:ea typeface="Arial"/>
                 <a:cs typeface="Arial"/>
                 <a:sym typeface="Arial"/>
               </a:rPr>
-              <a:t>•</a:t>
+              <a:t>Phục hồi tốt hơn các ký tự có dấu thanh.</a:t>
             </a:r>
-            <a:br>
-              <a:rPr lang="en" sz="2400">
-                <a:solidFill>
-                  <a:srgbClr val="448AFF"/>
-                </a:solidFill>
+            <a:endParaRPr sz="1800">
+              <a:solidFill>
+                <a:srgbClr val="448AFF"/>
+              </a:solidFill>
+              <a:latin typeface="Arial"/>
+              <a:ea typeface="Arial"/>
+              <a:cs typeface="Arial"/>
+              <a:sym typeface="Arial"/>
+            </a:endParaRPr>
+          </a:p>
+          <a:p>
+            <a:pPr indent="-342900" lvl="0" marL="457200" rtl="0" algn="l">
+              <a:spcBef>
+                <a:spcPts val="0"/>
+              </a:spcBef>
+              <a:spcAft>
+                <a:spcPts val="0"/>
+              </a:spcAft>
+              <a:buSzPts val="1800"/>
+              <a:buFont typeface="Arial"/>
+              <a:buChar char="●"/>
+            </a:pPr>
+            <a:r>
+              <a:rPr lang="en" sz="1800">
                 <a:latin typeface="Arial"/>
                 <a:ea typeface="Arial"/>
                 <a:cs typeface="Arial"/>
                 <a:sym typeface="Arial"/>
               </a:rPr>
-            </a:br>
+              <a:t>Giảm hiện tượng mất hoặc sai dấu.</a:t>
+            </a:r>
+            <a:endParaRPr sz="1800">
+              <a:latin typeface="Arial"/>
+              <a:ea typeface="Arial"/>
+              <a:cs typeface="Arial"/>
+              <a:sym typeface="Arial"/>
+            </a:endParaRPr>
+          </a:p>
+          <a:p>
+            <a:pPr indent="-342900" lvl="0" marL="457200" rtl="0" algn="l">
+              <a:spcBef>
+                <a:spcPts val="0"/>
+              </a:spcBef>
+              <a:spcAft>
+                <a:spcPts val="0"/>
+              </a:spcAft>
+              <a:buSzPts val="1800"/>
+              <a:buFont typeface="Arial"/>
+              <a:buChar char="●"/>
+            </a:pPr>
             <a:r>
-              <a:rPr lang="en" sz="2400">
+              <a:rPr lang="en" sz="1800">
                 <a:latin typeface="Arial"/>
                 <a:ea typeface="Arial"/>
                 <a:cs typeface="Arial"/>
                 <a:sym typeface="Arial"/>
               </a:rPr>
-              <a:t>Phục hồi tốt hơn các ký tự có dấu thanh</a:t>
+              <a:t>Cải thiện hiệu quả của hệ thống OCR tiếng Việt.</a:t>
             </a:r>
-            <a:endParaRPr sz="2400">
+            <a:endParaRPr sz="1800">
+              <a:solidFill>
+                <a:srgbClr val="448AFF"/>
+              </a:solidFill>
+              <a:latin typeface="Arial"/>
+              <a:ea typeface="Arial"/>
+              <a:cs typeface="Arial"/>
+              <a:sym typeface="Arial"/>
+            </a:endParaRPr>
+          </a:p>
+          <a:p>
+            <a:pPr indent="-342900" lvl="0" marL="457200" rtl="0" algn="l">
+              <a:spcBef>
+                <a:spcPts val="0"/>
+              </a:spcBef>
+              <a:spcAft>
+                <a:spcPts val="0"/>
+              </a:spcAft>
+              <a:buSzPts val="1800"/>
+              <a:buFont typeface="Arial"/>
+              <a:buChar char="●"/>
+            </a:pPr>
+            <a:r>
+              <a:rPr lang="en" sz="1800">
+                <a:latin typeface="Arial"/>
+                <a:ea typeface="Arial"/>
+                <a:cs typeface="Arial"/>
+                <a:sym typeface="Arial"/>
+              </a:rPr>
+              <a:t>Đóng góp bộ dữ liệu phục vụ nghiên cứu sau này.</a:t>
+            </a:r>
+            <a:endParaRPr sz="1800">
               <a:latin typeface="Arial"/>
               <a:ea typeface="Arial"/>
               <a:cs typeface="Arial"/>
@@ -9009,165 +9165,14 @@
               <a:spcAft>
                 <a:spcPts val="0"/>
               </a:spcAft>
-              <a:buSzPts val="2400"/>
+              <a:buSzPts val="1800"/>
               <a:buFont typeface="Arial"/>
-              <a:buNone/>
-            </a:pPr>
-            <a:r>
-              <a:rPr lang="en" sz="2400">
-                <a:solidFill>
-                  <a:srgbClr val="448AFF"/>
-                </a:solidFill>
-                <a:latin typeface="Arial"/>
-                <a:ea typeface="Arial"/>
-                <a:cs typeface="Arial"/>
-                <a:sym typeface="Arial"/>
-              </a:rPr>
-              <a:t>•</a:t>
-            </a:r>
-            <a:br>
-              <a:rPr lang="en" sz="2400">
-                <a:solidFill>
-                  <a:srgbClr val="448AFF"/>
-                </a:solidFill>
-                <a:latin typeface="Arial"/>
-                <a:ea typeface="Arial"/>
-                <a:cs typeface="Arial"/>
-                <a:sym typeface="Arial"/>
-              </a:rPr>
-            </a:br>
-            <a:r>
-              <a:rPr lang="en" sz="2400">
-                <a:latin typeface="Arial"/>
-                <a:ea typeface="Arial"/>
-                <a:cs typeface="Arial"/>
-                <a:sym typeface="Arial"/>
-              </a:rPr>
-              <a:t>Giảm hiện tượng mất hoặc sai dấu</a:t>
-            </a:r>
-            <a:endParaRPr sz="2400">
-              <a:latin typeface="Arial"/>
-              <a:ea typeface="Arial"/>
-              <a:cs typeface="Arial"/>
-              <a:sym typeface="Arial"/>
-            </a:endParaRPr>
-          </a:p>
-          <a:p>
-            <a:pPr indent="-228600" lvl="0" marL="457200" rtl="0" algn="l">
-              <a:spcBef>
-                <a:spcPts val="0"/>
-              </a:spcBef>
-              <a:spcAft>
-                <a:spcPts val="0"/>
-              </a:spcAft>
-              <a:buSzPts val="2400"/>
-              <a:buFont typeface="Arial"/>
-              <a:buNone/>
-            </a:pPr>
-            <a:r>
-              <a:rPr lang="en" sz="2400">
-                <a:solidFill>
-                  <a:srgbClr val="448AFF"/>
-                </a:solidFill>
-                <a:latin typeface="Arial"/>
-                <a:ea typeface="Arial"/>
-                <a:cs typeface="Arial"/>
-                <a:sym typeface="Arial"/>
-              </a:rPr>
-              <a:t>•</a:t>
-            </a:r>
-            <a:br>
-              <a:rPr lang="en" sz="2400">
-                <a:solidFill>
-                  <a:srgbClr val="448AFF"/>
-                </a:solidFill>
-                <a:latin typeface="Arial"/>
-                <a:ea typeface="Arial"/>
-                <a:cs typeface="Arial"/>
-                <a:sym typeface="Arial"/>
-              </a:rPr>
-            </a:br>
-            <a:r>
-              <a:rPr lang="en" sz="2400">
-                <a:latin typeface="Arial"/>
-                <a:ea typeface="Arial"/>
-                <a:cs typeface="Arial"/>
-                <a:sym typeface="Arial"/>
-              </a:rPr>
-              <a:t>Cải thiện hiệu quả của hệ thống OCR tiếng Việt</a:t>
-            </a:r>
-            <a:endParaRPr sz="2400">
-              <a:latin typeface="Arial"/>
-              <a:ea typeface="Arial"/>
-              <a:cs typeface="Arial"/>
-              <a:sym typeface="Arial"/>
-            </a:endParaRPr>
-          </a:p>
-          <a:p>
-            <a:pPr indent="-228600" lvl="0" marL="457200" rtl="0" algn="l">
-              <a:spcBef>
-                <a:spcPts val="0"/>
-              </a:spcBef>
-              <a:spcAft>
-                <a:spcPts val="0"/>
-              </a:spcAft>
-              <a:buSzPts val="2400"/>
-              <a:buFont typeface="Arial"/>
-              <a:buNone/>
-            </a:pPr>
-            <a:r>
-              <a:rPr lang="en" sz="2400">
-                <a:solidFill>
-                  <a:srgbClr val="448AFF"/>
-                </a:solidFill>
-                <a:latin typeface="Arial"/>
-                <a:ea typeface="Arial"/>
-                <a:cs typeface="Arial"/>
-                <a:sym typeface="Arial"/>
-              </a:rPr>
-              <a:t>•</a:t>
-            </a:r>
-            <a:br>
-              <a:rPr lang="en" sz="2400">
-                <a:solidFill>
-                  <a:srgbClr val="448AFF"/>
-                </a:solidFill>
-                <a:latin typeface="Arial"/>
-                <a:ea typeface="Arial"/>
-                <a:cs typeface="Arial"/>
-                <a:sym typeface="Arial"/>
-              </a:rPr>
-            </a:br>
-            <a:r>
-              <a:rPr lang="en" sz="2400">
-                <a:latin typeface="Arial"/>
-                <a:ea typeface="Arial"/>
-                <a:cs typeface="Arial"/>
-                <a:sym typeface="Arial"/>
-              </a:rPr>
-              <a:t>Đóng góp bộ dữ liệu phục vụ nghiên cứu sau này</a:t>
-            </a:r>
-            <a:endParaRPr sz="2400">
-              <a:latin typeface="Arial"/>
-              <a:ea typeface="Arial"/>
-              <a:cs typeface="Arial"/>
-              <a:sym typeface="Arial"/>
-            </a:endParaRPr>
-          </a:p>
-          <a:p>
-            <a:pPr indent="0" lvl="0" marL="0" rtl="0" algn="l">
-              <a:spcBef>
-                <a:spcPts val="2300"/>
-              </a:spcBef>
-              <a:spcAft>
-                <a:spcPts val="1600"/>
-              </a:spcAft>
               <a:buNone/>
             </a:pPr>
             <a:r>
               <a:t/>
             </a:r>
-            <a:endParaRPr sz="2000"/>
+            <a:endParaRPr sz="1800"/>
           </a:p>
         </p:txBody>
       </p:sp>
@@ -9184,7 +9189,7 @@
   <p:cSld>
     <p:spTree>
       <p:nvGrpSpPr>
-        <p:cNvPr id="113" name="Shape 113"/>
+        <p:cNvPr id="115" name="Shape 115"/>
         <p:cNvGrpSpPr/>
         <p:nvPr/>
       </p:nvGrpSpPr>
@@ -9198,7 +9203,7 @@
       </p:grpSpPr>
       <p:sp>
         <p:nvSpPr>
-          <p:cNvPr id="114" name="Google Shape;114;p21"/>
+          <p:cNvPr id="116" name="Google Shape;116;p21"/>
           <p:cNvSpPr txBox="1"/>
           <p:nvPr>
             <p:ph type="title"/>
@@ -9238,7 +9243,7 @@
       </p:sp>
       <p:sp>
         <p:nvSpPr>
-          <p:cNvPr id="115" name="Google Shape;115;p21"/>
+          <p:cNvPr id="117" name="Google Shape;117;p21"/>
           <p:cNvSpPr txBox="1"/>
           <p:nvPr>
             <p:ph idx="1" type="body"/>
@@ -9451,6 +9456,285 @@
 </file>
 
 <file path=ppt/theme/theme1.xml><?xml version="1.0" encoding="utf-8"?>
+<a:theme xmlns:a="http://schemas.openxmlformats.org/drawingml/2006/main" xmlns:r="http://schemas.openxmlformats.org/officeDocument/2006/relationships" name="Material - R01">
+  <a:themeElements>
+    <a:clrScheme name="Material">
+      <a:dk1>
+        <a:srgbClr val="4285F4"/>
+      </a:dk1>
+      <a:lt1>
+        <a:srgbClr val="FFFFFF"/>
+      </a:lt1>
+      <a:dk2>
+        <a:srgbClr val="424242"/>
+      </a:dk2>
+      <a:lt2>
+        <a:srgbClr val="737373"/>
+      </a:lt2>
+      <a:accent1>
+        <a:srgbClr val="0277BD"/>
+      </a:accent1>
+      <a:accent2>
+        <a:srgbClr val="0F9D58"/>
+      </a:accent2>
+      <a:accent3>
+        <a:srgbClr val="DB4437"/>
+      </a:accent3>
+      <a:accent4>
+        <a:srgbClr val="FAFAFA"/>
+      </a:accent4>
+      <a:accent5>
+        <a:srgbClr val="4FC3F7"/>
+      </a:accent5>
+      <a:accent6>
+        <a:srgbClr val="F4B400"/>
+      </a:accent6>
+      <a:hlink>
+        <a:srgbClr val="4FC3F7"/>
+      </a:hlink>
+      <a:folHlink>
+        <a:srgbClr val="4FC3F7"/>
+      </a:folHlink>
+    </a:clrScheme>
+    <a:fontScheme name="Office">
+      <a:majorFont>
+        <a:latin typeface="Arial"/>
+        <a:ea typeface=""/>
+        <a:cs typeface=""/>
+        <a:font script="Jpan" typeface="ＭＳ Ｐゴシック"/>
+        <a:font script="Hang" typeface="맑은 고딕"/>
+        <a:font script="Hans" typeface="宋体"/>
+        <a:font script="Hant" typeface="新細明體"/>
+        <a:font script="Arab" typeface="Times New Roman"/>
+        <a:font script="Hebr" typeface="Times New Roman"/>
+        <a:font script="Thai" typeface="Angsana New"/>
+        <a:font script="Ethi" typeface="Nyala"/>
+        <a:font script="Beng" typeface="Vrinda"/>
+        <a:font script="Gujr" typeface="Shruti"/>
+        <a:font script="Khmr" typeface="MoolBoran"/>
+        <a:font script="Knda" typeface="Tunga"/>
+        <a:font script="Guru" typeface="Raavi"/>
+        <a:font script="Cans" typeface="Euphemia"/>
+        <a:font script="Cher" typeface="Plantagenet Cherokee"/>
+        <a:font script="Yiii" typeface="Microsoft Yi Baiti"/>
+        <a:font script="Tibt" typeface="Microsoft Himalaya"/>
+        <a:font script="Thaa" typeface="MV Boli"/>
+        <a:font script="Deva" typeface="Mangal"/>
+        <a:font script="Telu" typeface="Gautami"/>
+        <a:font script="Taml" typeface="Latha"/>
+        <a:font script="Syrc" typeface="Estrangelo Edessa"/>
+        <a:font script="Orya" typeface="Kalinga"/>
+        <a:font script="Mlym" typeface="Kartika"/>
+        <a:font script="Laoo" typeface="DokChampa"/>
+        <a:font script="Sinh" typeface="Iskoola Pota"/>
+        <a:font script="Mong" typeface="Mongolian Baiti"/>
+        <a:font script="Viet" typeface="Times New Roman"/>
+        <a:font script="Uigh" typeface="Microsoft Uighur"/>
+        <a:font script="Geor" typeface="Sylfaen"/>
+      </a:majorFont>
+      <a:minorFont>
+        <a:latin typeface="Arial"/>
+        <a:ea typeface=""/>
+        <a:cs typeface=""/>
+        <a:font script="Jpan" typeface="ＭＳ Ｐゴシック"/>
+        <a:font script="Hang" typeface="맑은 고딕"/>
+        <a:font script="Hans" typeface="宋体"/>
+        <a:font script="Hant" typeface="新細明體"/>
+        <a:font script="Arab" typeface="Arial"/>
+        <a:font script="Hebr" typeface="Arial"/>
+        <a:font script="Thai" typeface="Cordia New"/>
+        <a:font script="Ethi" typeface="Nyala"/>
+        <a:font script="Beng" typeface="Vrinda"/>
+        <a:font script="Gujr" typeface="Shruti"/>
+        <a:font script="Khmr" typeface="DaunPenh"/>
+        <a:font script="Knda" typeface="Tunga"/>
+        <a:font script="Guru" typeface="Raavi"/>
+        <a:font script="Cans" typeface="Euphemia"/>
+        <a:font script="Cher" typeface="Plantagenet Cherokee"/>
+        <a:font script="Yiii" typeface="Microsoft Yi Baiti"/>
+        <a:font script="Tibt" typeface="Microsoft Himalaya"/>
+        <a:font script="Thaa" typeface="MV Boli"/>
+        <a:font script="Deva" typeface="Mangal"/>
+        <a:font script="Telu" typeface="Gautami"/>
+        <a:font script="Taml" typeface="Latha"/>
+        <a:font script="Syrc" typeface="Estrangelo Edessa"/>
+        <a:font script="Orya" typeface="Kalinga"/>
+        <a:font script="Mlym" typeface="Kartika"/>
+        <a:font script="Laoo" typeface="DokChampa"/>
+        <a:font script="Sinh" typeface="Iskoola Pota"/>
+        <a:font script="Mong" typeface="Mongolian Baiti"/>
+        <a:font script="Viet" typeface="Arial"/>
+        <a:font script="Uigh" typeface="Microsoft Uighur"/>
+        <a:font script="Geor" typeface="Sylfaen"/>
+      </a:minorFont>
+    </a:fontScheme>
+    <a:fmtScheme name="Office">
+      <a:fillStyleLst>
+        <a:solidFill>
+          <a:schemeClr val="phClr"/>
+        </a:solidFill>
+        <a:gradFill rotWithShape="1">
+          <a:gsLst>
+            <a:gs pos="0">
+              <a:schemeClr val="phClr">
+                <a:tint val="50000"/>
+                <a:satMod val="300000"/>
+              </a:schemeClr>
+            </a:gs>
+            <a:gs pos="35000">
+              <a:schemeClr val="phClr">
+                <a:tint val="37000"/>
+                <a:satMod val="300000"/>
+              </a:schemeClr>
+            </a:gs>
+            <a:gs pos="100000">
+              <a:schemeClr val="phClr">
+                <a:tint val="15000"/>
+                <a:satMod val="350000"/>
+              </a:schemeClr>
+            </a:gs>
+          </a:gsLst>
+          <a:lin ang="16200000" scaled="1"/>
+        </a:gradFill>
+        <a:gradFill rotWithShape="1">
+          <a:gsLst>
+            <a:gs pos="0">
+              <a:schemeClr val="phClr">
+                <a:tint val="100000"/>
+                <a:shade val="100000"/>
+                <a:satMod val="130000"/>
+              </a:schemeClr>
+            </a:gs>
+            <a:gs pos="100000">
+              <a:schemeClr val="phClr">
+                <a:tint val="50000"/>
+                <a:shade val="100000"/>
+                <a:satMod val="350000"/>
+              </a:schemeClr>
+            </a:gs>
+          </a:gsLst>
+          <a:lin ang="16200000" scaled="0"/>
+        </a:gradFill>
+      </a:fillStyleLst>
+      <a:lnStyleLst>
+        <a:ln w="9525" cap="flat" cmpd="sng" algn="ctr">
+          <a:solidFill>
+            <a:schemeClr val="phClr">
+              <a:shade val="95000"/>
+              <a:satMod val="105000"/>
+            </a:schemeClr>
+          </a:solidFill>
+          <a:prstDash val="solid"/>
+        </a:ln>
+        <a:ln w="25400" cap="flat" cmpd="sng" algn="ctr">
+          <a:solidFill>
+            <a:schemeClr val="phClr"/>
+          </a:solidFill>
+          <a:prstDash val="solid"/>
+        </a:ln>
+        <a:ln w="38100" cap="flat" cmpd="sng" algn="ctr">
+          <a:solidFill>
+            <a:schemeClr val="phClr"/>
+          </a:solidFill>
+          <a:prstDash val="solid"/>
+        </a:ln>
+      </a:lnStyleLst>
+      <a:effectStyleLst>
+        <a:effectStyle>
+          <a:effectLst>
+            <a:outerShdw blurRad="40000" dist="20000" dir="5400000" rotWithShape="0">
+              <a:srgbClr val="000000">
+                <a:alpha val="38000"/>
+              </a:srgbClr>
+            </a:outerShdw>
+          </a:effectLst>
+        </a:effectStyle>
+        <a:effectStyle>
+          <a:effectLst>
+            <a:outerShdw blurRad="40000" dist="23000" dir="5400000" rotWithShape="0">
+              <a:srgbClr val="000000">
+                <a:alpha val="35000"/>
+              </a:srgbClr>
+            </a:outerShdw>
+          </a:effectLst>
+        </a:effectStyle>
+        <a:effectStyle>
+          <a:effectLst>
+            <a:outerShdw blurRad="40000" dist="23000" dir="5400000" rotWithShape="0">
+              <a:srgbClr val="000000">
+                <a:alpha val="35000"/>
+              </a:srgbClr>
+            </a:outerShdw>
+          </a:effectLst>
+          <a:scene3d>
+            <a:camera prst="orthographicFront">
+              <a:rot lat="0" lon="0" rev="0"/>
+            </a:camera>
+            <a:lightRig rig="threePt" dir="t">
+              <a:rot lat="0" lon="0" rev="1200000"/>
+            </a:lightRig>
+          </a:scene3d>
+          <a:sp3d>
+            <a:bevelT w="63500" h="25400"/>
+          </a:sp3d>
+        </a:effectStyle>
+      </a:effectStyleLst>
+      <a:bgFillStyleLst>
+        <a:solidFill>
+          <a:schemeClr val="phClr"/>
+        </a:solidFill>
+        <a:gradFill rotWithShape="1">
+          <a:gsLst>
+            <a:gs pos="0">
+              <a:schemeClr val="phClr">
+                <a:tint val="40000"/>
+                <a:satMod val="350000"/>
+              </a:schemeClr>
+            </a:gs>
+            <a:gs pos="40000">
+              <a:schemeClr val="phClr">
+                <a:tint val="45000"/>
+                <a:shade val="99000"/>
+                <a:satMod val="350000"/>
+              </a:schemeClr>
+            </a:gs>
+            <a:gs pos="100000">
+              <a:schemeClr val="phClr">
+                <a:shade val="20000"/>
+                <a:satMod val="255000"/>
+              </a:schemeClr>
+            </a:gs>
+          </a:gsLst>
+          <a:path path="circle">
+            <a:fillToRect l="50000" t="-80000" r="50000" b="180000"/>
+          </a:path>
+        </a:gradFill>
+        <a:gradFill rotWithShape="1">
+          <a:gsLst>
+            <a:gs pos="0">
+              <a:schemeClr val="phClr">
+                <a:tint val="80000"/>
+                <a:satMod val="300000"/>
+              </a:schemeClr>
+            </a:gs>
+            <a:gs pos="100000">
+              <a:schemeClr val="phClr">
+                <a:shade val="30000"/>
+                <a:satMod val="200000"/>
+              </a:schemeClr>
+            </a:gs>
+          </a:gsLst>
+          <a:path path="circle">
+            <a:fillToRect l="50000" t="50000" r="50000" b="50000"/>
+          </a:path>
+        </a:gradFill>
+      </a:bgFillStyleLst>
+    </a:fmtScheme>
+  </a:themeElements>
+</a:theme>
+</file>
+
+<file path=ppt/theme/theme2.xml><?xml version="1.0" encoding="utf-8"?>
 <a:theme xmlns:a="http://schemas.openxmlformats.org/drawingml/2006/main" xmlns:r="http://schemas.openxmlformats.org/officeDocument/2006/relationships">
   <a:themeElements>
     <a:clrScheme name="Default">
@@ -9727,283 +10011,4 @@
     </a:fmtScheme>
   </a:themeElements>
 </a:theme>
-</file>
-
-<file path=ppt/theme/theme2.xml><?xml version="1.0" encoding="utf-8"?>
-<a:theme xmlns:a="http://schemas.openxmlformats.org/drawingml/2006/main" xmlns:r="http://schemas.openxmlformats.org/officeDocument/2006/relationships" name="Material - R01">
-  <a:themeElements>
-    <a:clrScheme name="Material">
-      <a:dk1>
-        <a:srgbClr val="4285F4"/>
-      </a:dk1>
-      <a:lt1>
-        <a:srgbClr val="FFFFFF"/>
-      </a:lt1>
-      <a:dk2>
-        <a:srgbClr val="424242"/>
-      </a:dk2>
-      <a:lt2>
-        <a:srgbClr val="737373"/>
-      </a:lt2>
-      <a:accent1>
-        <a:srgbClr val="0277BD"/>
-      </a:accent1>
-      <a:accent2>
-        <a:srgbClr val="0F9D58"/>
-      </a:accent2>
-      <a:accent3>
-        <a:srgbClr val="DB4437"/>
-      </a:accent3>
-      <a:accent4>
-        <a:srgbClr val="FAFAFA"/>
-      </a:accent4>
-      <a:accent5>
-        <a:srgbClr val="4FC3F7"/>
-      </a:accent5>
-      <a:accent6>
-        <a:srgbClr val="F4B400"/>
-      </a:accent6>
-      <a:hlink>
-        <a:srgbClr val="4FC3F7"/>
-      </a:hlink>
-      <a:folHlink>
-        <a:srgbClr val="4FC3F7"/>
-      </a:folHlink>
-    </a:clrScheme>
-    <a:fontScheme name="Office">
-      <a:majorFont>
-        <a:latin typeface="Arial"/>
-        <a:ea typeface=""/>
-        <a:cs typeface=""/>
-        <a:font script="Jpan" typeface="ＭＳ Ｐゴシック"/>
-        <a:font script="Hang" typeface="맑은 고딕"/>
-        <a:font script="Hans" typeface="宋体"/>
-        <a:font script="Hant" typeface="新細明體"/>
-        <a:font script="Arab" typeface="Times New Roman"/>
-        <a:font script="Hebr" typeface="Times New Roman"/>
-        <a:font script="Thai" typeface="Angsana New"/>
-        <a:font script="Ethi" typeface="Nyala"/>
-        <a:font script="Beng" typeface="Vrinda"/>
-        <a:font script="Gujr" typeface="Shruti"/>
-        <a:font script="Khmr" typeface="MoolBoran"/>
-        <a:font script="Knda" typeface="Tunga"/>
-        <a:font script="Guru" typeface="Raavi"/>
-        <a:font script="Cans" typeface="Euphemia"/>
-        <a:font script="Cher" typeface="Plantagenet Cherokee"/>
-        <a:font script="Yiii" typeface="Microsoft Yi Baiti"/>
-        <a:font script="Tibt" typeface="Microsoft Himalaya"/>
-        <a:font script="Thaa" typeface="MV Boli"/>
-        <a:font script="Deva" typeface="Mangal"/>
-        <a:font script="Telu" typeface="Gautami"/>
-        <a:font script="Taml" typeface="Latha"/>
-        <a:font script="Syrc" typeface="Estrangelo Edessa"/>
-        <a:font script="Orya" typeface="Kalinga"/>
-        <a:font script="Mlym" typeface="Kartika"/>
-        <a:font script="Laoo" typeface="DokChampa"/>
-        <a:font script="Sinh" typeface="Iskoola Pota"/>
-        <a:font script="Mong" typeface="Mongolian Baiti"/>
-        <a:font script="Viet" typeface="Times New Roman"/>
-        <a:font script="Uigh" typeface="Microsoft Uighur"/>
-        <a:font script="Geor" typeface="Sylfaen"/>
-      </a:majorFont>
-      <a:minorFont>
-        <a:latin typeface="Arial"/>
-        <a:ea typeface=""/>
-        <a:cs typeface=""/>
-        <a:font script="Jpan" typeface="ＭＳ Ｐゴシック"/>
-        <a:font script="Hang" typeface="맑은 고딕"/>
-        <a:font script="Hans" typeface="宋体"/>
-        <a:font script="Hant" typeface="新細明體"/>
-        <a:font script="Arab" typeface="Arial"/>
-        <a:font script="Hebr" typeface="Arial"/>
-        <a:font script="Thai" typeface="Cordia New"/>
-        <a:font script="Ethi" typeface="Nyala"/>
-        <a:font script="Beng" typeface="Vrinda"/>
-        <a:font script="Gujr" typeface="Shruti"/>
-        <a:font script="Khmr" typeface="DaunPenh"/>
-        <a:font script="Knda" typeface="Tunga"/>
-        <a:font script="Guru" typeface="Raavi"/>
-        <a:font script="Cans" typeface="Euphemia"/>
-        <a:font script="Cher" typeface="Plantagenet Cherokee"/>
-        <a:font script="Yiii" typeface="Microsoft Yi Baiti"/>
-        <a:font script="Tibt" typeface="Microsoft Himalaya"/>
-        <a:font script="Thaa" typeface="MV Boli"/>
-        <a:font script="Deva" typeface="Mangal"/>
-        <a:font script="Telu" typeface="Gautami"/>
-        <a:font script="Taml" typeface="Latha"/>
-        <a:font script="Syrc" typeface="Estrangelo Edessa"/>
-        <a:font script="Orya" typeface="Kalinga"/>
-        <a:font script="Mlym" typeface="Kartika"/>
-        <a:font script="Laoo" typeface="DokChampa"/>
-        <a:font script="Sinh" typeface="Iskoola Pota"/>
-        <a:font script="Mong" typeface="Mongolian Baiti"/>
-        <a:font script="Viet" typeface="Arial"/>
-        <a:font script="Uigh" typeface="Microsoft Uighur"/>
-        <a:font script="Geor" typeface="Sylfaen"/>
-      </a:minorFont>
-    </a:fontScheme>
-    <a:fmtScheme name="Office">
-      <a:fillStyleLst>
-        <a:solidFill>
-          <a:schemeClr val="phClr"/>
-        </a:solidFill>
-        <a:gradFill rotWithShape="1">
-          <a:gsLst>
-            <a:gs pos="0">
-              <a:schemeClr val="phClr">
-                <a:tint val="50000"/>
-                <a:satMod val="300000"/>
-              </a:schemeClr>
-            </a:gs>
-            <a:gs pos="35000">
-              <a:schemeClr val="phClr">
-                <a:tint val="37000"/>
-                <a:satMod val="300000"/>
-              </a:schemeClr>
-            </a:gs>
-            <a:gs pos="100000">
-              <a:schemeClr val="phClr">
-                <a:tint val="15000"/>
-                <a:satMod val="350000"/>
-              </a:schemeClr>
-            </a:gs>
-          </a:gsLst>
-          <a:lin ang="16200000" scaled="1"/>
-        </a:gradFill>
-        <a:gradFill rotWithShape="1">
-          <a:gsLst>
-            <a:gs pos="0">
-              <a:schemeClr val="phClr">
-                <a:tint val="100000"/>
-                <a:shade val="100000"/>
-                <a:satMod val="130000"/>
-              </a:schemeClr>
-            </a:gs>
-            <a:gs pos="100000">
-              <a:schemeClr val="phClr">
-                <a:tint val="50000"/>
-                <a:shade val="100000"/>
-                <a:satMod val="350000"/>
-              </a:schemeClr>
-            </a:gs>
-          </a:gsLst>
-          <a:lin ang="16200000" scaled="0"/>
-        </a:gradFill>
-      </a:fillStyleLst>
-      <a:lnStyleLst>
-        <a:ln w="9525" cap="flat" cmpd="sng" algn="ctr">
-          <a:solidFill>
-            <a:schemeClr val="phClr">
-              <a:shade val="95000"/>
-              <a:satMod val="105000"/>
-            </a:schemeClr>
-          </a:solidFill>
-          <a:prstDash val="solid"/>
-        </a:ln>
-        <a:ln w="25400" cap="flat" cmpd="sng" algn="ctr">
-          <a:solidFill>
-            <a:schemeClr val="phClr"/>
-          </a:solidFill>
-          <a:prstDash val="solid"/>
-        </a:ln>
-        <a:ln w="38100" cap="flat" cmpd="sng" algn="ctr">
-          <a:solidFill>
-            <a:schemeClr val="phClr"/>
-          </a:solidFill>
-          <a:prstDash val="solid"/>
-        </a:ln>
-      </a:lnStyleLst>
-      <a:effectStyleLst>
-        <a:effectStyle>
-          <a:effectLst>
-            <a:outerShdw blurRad="40000" dist="20000" dir="5400000" rotWithShape="0">
-              <a:srgbClr val="000000">
-                <a:alpha val="38000"/>
-              </a:srgbClr>
-            </a:outerShdw>
-          </a:effectLst>
-        </a:effectStyle>
-        <a:effectStyle>
-          <a:effectLst>
-            <a:outerShdw blurRad="40000" dist="23000" dir="5400000" rotWithShape="0">
-              <a:srgbClr val="000000">
-                <a:alpha val="35000"/>
-              </a:srgbClr>
-            </a:outerShdw>
-          </a:effectLst>
-        </a:effectStyle>
-        <a:effectStyle>
-          <a:effectLst>
-            <a:outerShdw blurRad="40000" dist="23000" dir="5400000" rotWithShape="0">
-              <a:srgbClr val="000000">
-                <a:alpha val="35000"/>
-              </a:srgbClr>
-            </a:outerShdw>
-          </a:effectLst>
-          <a:scene3d>
-            <a:camera prst="orthographicFront">
-              <a:rot lat="0" lon="0" rev="0"/>
-            </a:camera>
-            <a:lightRig rig="threePt" dir="t">
-              <a:rot lat="0" lon="0" rev="1200000"/>
-            </a:lightRig>
-          </a:scene3d>
-          <a:sp3d>
-            <a:bevelT w="63500" h="25400"/>
-          </a:sp3d>
-        </a:effectStyle>
-      </a:effectStyleLst>
-      <a:bgFillStyleLst>
-        <a:solidFill>
-          <a:schemeClr val="phClr"/>
-        </a:solidFill>
-        <a:gradFill rotWithShape="1">
-          <a:gsLst>
-            <a:gs pos="0">
-              <a:schemeClr val="phClr">
-                <a:tint val="40000"/>
-                <a:satMod val="350000"/>
-              </a:schemeClr>
-            </a:gs>
-            <a:gs pos="40000">
-              <a:schemeClr val="phClr">
-                <a:tint val="45000"/>
-                <a:shade val="99000"/>
-                <a:satMod val="350000"/>
-              </a:schemeClr>
-            </a:gs>
-            <a:gs pos="100000">
-              <a:schemeClr val="phClr">
-                <a:shade val="20000"/>
-                <a:satMod val="255000"/>
-              </a:schemeClr>
-            </a:gs>
-          </a:gsLst>
-          <a:path path="circle">
-            <a:fillToRect l="50000" t="-80000" r="50000" b="180000"/>
-          </a:path>
-        </a:gradFill>
-        <a:gradFill rotWithShape="1">
-          <a:gsLst>
-            <a:gs pos="0">
-              <a:schemeClr val="phClr">
-                <a:tint val="80000"/>
-                <a:satMod val="300000"/>
-              </a:schemeClr>
-            </a:gs>
-            <a:gs pos="100000">
-              <a:schemeClr val="phClr">
-                <a:shade val="30000"/>
-                <a:satMod val="200000"/>
-              </a:schemeClr>
-            </a:gs>
-          </a:gsLst>
-          <a:path path="circle">
-            <a:fillToRect l="50000" t="50000" r="50000" b="50000"/>
-          </a:path>
-        </a:gradFill>
-      </a:bgFillStyleLst>
-    </a:fmtScheme>
-  </a:themeElements>
-</a:theme>
 </file>